--- a/Puzzle.pptx
+++ b/Puzzle.pptx
@@ -12536,7 +12536,7 @@
       </p:pic>
       <p:pic>
         <p:nvPicPr>
-          <p:cNvPr id="5" name="图片 4"/>
+          <p:cNvPr id="7" name="图片 6"/>
           <p:cNvPicPr>
             <a:picLocks noChangeAspect="1"/>
           </p:cNvPicPr>
@@ -12544,54 +12544,6 @@
         </p:nvPicPr>
         <p:blipFill>
           <a:blip r:embed="rId4"/>
-          <a:stretch>
-            <a:fillRect/>
-          </a:stretch>
-        </p:blipFill>
-        <p:spPr>
-          <a:xfrm>
-            <a:off x="12342495" y="2340610"/>
-            <a:ext cx="2070100" cy="1790700"/>
-          </a:xfrm>
-          <a:prstGeom prst="rect">
-            <a:avLst/>
-          </a:prstGeom>
-        </p:spPr>
-      </p:pic>
-      <p:pic>
-        <p:nvPicPr>
-          <p:cNvPr id="6" name="图片 5"/>
-          <p:cNvPicPr>
-            <a:picLocks noChangeAspect="1"/>
-          </p:cNvPicPr>
-          <p:nvPr/>
-        </p:nvPicPr>
-        <p:blipFill>
-          <a:blip r:embed="rId5"/>
-          <a:stretch>
-            <a:fillRect/>
-          </a:stretch>
-        </p:blipFill>
-        <p:spPr>
-          <a:xfrm>
-            <a:off x="8940165" y="7965440"/>
-            <a:ext cx="1651000" cy="1625600"/>
-          </a:xfrm>
-          <a:prstGeom prst="rect">
-            <a:avLst/>
-          </a:prstGeom>
-        </p:spPr>
-      </p:pic>
-      <p:pic>
-        <p:nvPicPr>
-          <p:cNvPr id="7" name="图片 6"/>
-          <p:cNvPicPr>
-            <a:picLocks noChangeAspect="1"/>
-          </p:cNvPicPr>
-          <p:nvPr/>
-        </p:nvPicPr>
-        <p:blipFill>
-          <a:blip r:embed="rId6"/>
           <a:stretch>
             <a:fillRect/>
           </a:stretch>
@@ -12608,78 +12560,6 @@
       </p:pic>
       <p:pic>
         <p:nvPicPr>
-          <p:cNvPr id="8" name="图片 7"/>
-          <p:cNvPicPr>
-            <a:picLocks noChangeAspect="1"/>
-          </p:cNvPicPr>
-          <p:nvPr/>
-        </p:nvPicPr>
-        <p:blipFill>
-          <a:blip r:embed="rId7"/>
-          <a:stretch>
-            <a:fillRect/>
-          </a:stretch>
-        </p:blipFill>
-        <p:spPr>
-          <a:xfrm>
-            <a:off x="20635595" y="6415522"/>
-            <a:ext cx="1333500" cy="2451100"/>
-          </a:xfrm>
-          <a:prstGeom prst="rect">
-            <a:avLst/>
-          </a:prstGeom>
-        </p:spPr>
-      </p:pic>
-      <p:pic>
-        <p:nvPicPr>
-          <p:cNvPr id="9" name="图片 8"/>
-          <p:cNvPicPr>
-            <a:picLocks noChangeAspect="1"/>
-          </p:cNvPicPr>
-          <p:nvPr/>
-        </p:nvPicPr>
-        <p:blipFill>
-          <a:blip r:embed="rId7"/>
-          <a:stretch>
-            <a:fillRect/>
-          </a:stretch>
-        </p:blipFill>
-        <p:spPr>
-          <a:xfrm>
-            <a:off x="20635595" y="2504440"/>
-            <a:ext cx="1333500" cy="2451100"/>
-          </a:xfrm>
-          <a:prstGeom prst="rect">
-            <a:avLst/>
-          </a:prstGeom>
-        </p:spPr>
-      </p:pic>
-      <p:pic>
-        <p:nvPicPr>
-          <p:cNvPr id="10" name="图片 9"/>
-          <p:cNvPicPr>
-            <a:picLocks noChangeAspect="1"/>
-          </p:cNvPicPr>
-          <p:nvPr/>
-        </p:nvPicPr>
-        <p:blipFill>
-          <a:blip r:embed="rId7"/>
-          <a:stretch>
-            <a:fillRect/>
-          </a:stretch>
-        </p:blipFill>
-        <p:spPr>
-          <a:xfrm>
-            <a:off x="20635595" y="10193772"/>
-            <a:ext cx="1333500" cy="2451100"/>
-          </a:xfrm>
-          <a:prstGeom prst="rect">
-            <a:avLst/>
-          </a:prstGeom>
-        </p:spPr>
-      </p:pic>
-      <p:pic>
-        <p:nvPicPr>
           <p:cNvPr id="11" name="图片 10"/>
           <p:cNvPicPr>
             <a:picLocks noChangeAspect="1"/>
@@ -12687,7 +12567,7 @@
           <p:nvPr/>
         </p:nvPicPr>
         <p:blipFill>
-          <a:blip r:embed="rId8"/>
+          <a:blip r:embed="rId5"/>
           <a:stretch>
             <a:fillRect/>
           </a:stretch>
@@ -12702,100 +12582,92 @@
           </a:prstGeom>
         </p:spPr>
       </p:pic>
-      <p:sp>
-        <p:nvSpPr>
-          <p:cNvPr id="12" name="矩形 11"/>
-          <p:cNvSpPr/>
+      <p:grpSp>
+        <p:nvGrpSpPr>
+          <p:cNvPr id="43" name="组 42"/>
+          <p:cNvGrpSpPr/>
           <p:nvPr/>
-        </p:nvSpPr>
-        <p:spPr>
+        </p:nvGrpSpPr>
+        <p:grpSpPr>
           <a:xfrm>
-            <a:off x="12149931" y="2070100"/>
-            <a:ext cx="2382203" cy="2279650"/>
+            <a:off x="8373423" y="7854891"/>
+            <a:ext cx="2269818" cy="2054225"/>
+            <a:chOff x="8593296" y="7638415"/>
+            <a:chExt cx="2382203" cy="2279650"/>
           </a:xfrm>
-          <a:prstGeom prst="rect">
-            <a:avLst/>
-          </a:prstGeom>
-          <a:noFill/>
-          <a:ln w="38100">
-            <a:solidFill>
-              <a:srgbClr val="8D8A8B"/>
-            </a:solidFill>
-            <a:prstDash val="dash"/>
-          </a:ln>
-        </p:spPr>
-        <p:style>
-          <a:lnRef idx="2">
-            <a:schemeClr val="accent1">
-              <a:shade val="50000"/>
-            </a:schemeClr>
-          </a:lnRef>
-          <a:fillRef idx="1">
-            <a:schemeClr val="accent1"/>
-          </a:fillRef>
-          <a:effectRef idx="0">
-            <a:schemeClr val="accent1"/>
-          </a:effectRef>
-          <a:fontRef idx="minor">
-            <a:schemeClr val="lt1"/>
-          </a:fontRef>
-        </p:style>
-        <p:txBody>
-          <a:bodyPr rtlCol="0" anchor="ctr"/>
-          <a:lstStyle/>
-          <a:p>
-            <a:pPr algn="ctr"/>
-            <a:endParaRPr kumimoji="1" lang="zh-CN" altLang="en-US"/>
-          </a:p>
-        </p:txBody>
-      </p:sp>
-      <p:sp>
-        <p:nvSpPr>
-          <p:cNvPr id="14" name="矩形 13"/>
-          <p:cNvSpPr/>
-          <p:nvPr/>
-        </p:nvSpPr>
-        <p:spPr>
-          <a:xfrm>
-            <a:off x="8593296" y="7638415"/>
-            <a:ext cx="2382203" cy="2279650"/>
-          </a:xfrm>
-          <a:prstGeom prst="rect">
-            <a:avLst/>
-          </a:prstGeom>
-          <a:noFill/>
-          <a:ln w="38100">
-            <a:solidFill>
-              <a:srgbClr val="8D8A8B"/>
-            </a:solidFill>
-            <a:prstDash val="dash"/>
-          </a:ln>
-        </p:spPr>
-        <p:style>
-          <a:lnRef idx="2">
-            <a:schemeClr val="accent1">
-              <a:shade val="50000"/>
-            </a:schemeClr>
-          </a:lnRef>
-          <a:fillRef idx="1">
-            <a:schemeClr val="accent1"/>
-          </a:fillRef>
-          <a:effectRef idx="0">
-            <a:schemeClr val="accent1"/>
-          </a:effectRef>
-          <a:fontRef idx="minor">
-            <a:schemeClr val="lt1"/>
-          </a:fontRef>
-        </p:style>
-        <p:txBody>
-          <a:bodyPr rtlCol="0" anchor="ctr"/>
-          <a:lstStyle/>
-          <a:p>
-            <a:pPr algn="ctr"/>
-            <a:endParaRPr kumimoji="1" lang="zh-CN" altLang="en-US"/>
-          </a:p>
-        </p:txBody>
-      </p:sp>
+        </p:grpSpPr>
+        <p:pic>
+          <p:nvPicPr>
+            <p:cNvPr id="6" name="图片 5"/>
+            <p:cNvPicPr>
+              <a:picLocks noChangeAspect="1"/>
+            </p:cNvPicPr>
+            <p:nvPr/>
+          </p:nvPicPr>
+          <p:blipFill>
+            <a:blip r:embed="rId6"/>
+            <a:stretch>
+              <a:fillRect/>
+            </a:stretch>
+          </p:blipFill>
+          <p:spPr>
+            <a:xfrm>
+              <a:off x="8940165" y="7965440"/>
+              <a:ext cx="1651000" cy="1625600"/>
+            </a:xfrm>
+            <a:prstGeom prst="rect">
+              <a:avLst/>
+            </a:prstGeom>
+          </p:spPr>
+        </p:pic>
+        <p:sp>
+          <p:nvSpPr>
+            <p:cNvPr id="14" name="矩形 13"/>
+            <p:cNvSpPr/>
+            <p:nvPr/>
+          </p:nvSpPr>
+          <p:spPr>
+            <a:xfrm>
+              <a:off x="8593296" y="7638415"/>
+              <a:ext cx="2382203" cy="2279650"/>
+            </a:xfrm>
+            <a:prstGeom prst="rect">
+              <a:avLst/>
+            </a:prstGeom>
+            <a:noFill/>
+            <a:ln w="38100">
+              <a:solidFill>
+                <a:srgbClr val="8D8A8B"/>
+              </a:solidFill>
+              <a:prstDash val="dash"/>
+            </a:ln>
+          </p:spPr>
+          <p:style>
+            <a:lnRef idx="2">
+              <a:schemeClr val="accent1">
+                <a:shade val="50000"/>
+              </a:schemeClr>
+            </a:lnRef>
+            <a:fillRef idx="1">
+              <a:schemeClr val="accent1"/>
+            </a:fillRef>
+            <a:effectRef idx="0">
+              <a:schemeClr val="accent1"/>
+            </a:effectRef>
+            <a:fontRef idx="minor">
+              <a:schemeClr val="lt1"/>
+            </a:fontRef>
+          </p:style>
+          <p:txBody>
+            <a:bodyPr rtlCol="0" anchor="ctr"/>
+            <a:lstStyle/>
+            <a:p>
+              <a:pPr algn="ctr"/>
+              <a:endParaRPr kumimoji="1" lang="zh-CN" altLang="en-US"/>
+            </a:p>
+          </p:txBody>
+        </p:sp>
+      </p:grpSp>
       <p:sp>
         <p:nvSpPr>
           <p:cNvPr id="16" name="矩形 15"/>
@@ -12890,147 +12762,264 @@
           </a:p>
         </p:txBody>
       </p:sp>
-      <p:sp>
-        <p:nvSpPr>
-          <p:cNvPr id="18" name="矩形 17"/>
-          <p:cNvSpPr/>
+      <p:grpSp>
+        <p:nvGrpSpPr>
+          <p:cNvPr id="33" name="组 32"/>
+          <p:cNvGrpSpPr/>
           <p:nvPr/>
-        </p:nvSpPr>
-        <p:spPr>
+        </p:nvGrpSpPr>
+        <p:grpSpPr>
           <a:xfrm>
             <a:off x="20530343" y="2340610"/>
             <a:ext cx="1679952" cy="2716530"/>
+            <a:chOff x="20530343" y="2340610"/>
+            <a:chExt cx="1679952" cy="2716530"/>
           </a:xfrm>
-          <a:prstGeom prst="rect">
-            <a:avLst/>
-          </a:prstGeom>
-          <a:noFill/>
-          <a:ln w="38100">
-            <a:solidFill>
-              <a:srgbClr val="8D8A8B"/>
-            </a:solidFill>
-            <a:prstDash val="dash"/>
-          </a:ln>
-        </p:spPr>
-        <p:style>
-          <a:lnRef idx="2">
-            <a:schemeClr val="accent1">
-              <a:shade val="50000"/>
-            </a:schemeClr>
-          </a:lnRef>
-          <a:fillRef idx="1">
-            <a:schemeClr val="accent1"/>
-          </a:fillRef>
-          <a:effectRef idx="0">
-            <a:schemeClr val="accent1"/>
-          </a:effectRef>
-          <a:fontRef idx="minor">
-            <a:schemeClr val="lt1"/>
-          </a:fontRef>
-        </p:style>
-        <p:txBody>
-          <a:bodyPr rtlCol="0" anchor="ctr"/>
-          <a:lstStyle/>
-          <a:p>
-            <a:pPr algn="ctr"/>
-            <a:endParaRPr kumimoji="1" lang="zh-CN" altLang="en-US"/>
-          </a:p>
-        </p:txBody>
-      </p:sp>
-      <p:sp>
-        <p:nvSpPr>
-          <p:cNvPr id="20" name="矩形 19"/>
-          <p:cNvSpPr/>
+        </p:grpSpPr>
+        <p:pic>
+          <p:nvPicPr>
+            <p:cNvPr id="9" name="图片 8"/>
+            <p:cNvPicPr>
+              <a:picLocks noChangeAspect="1"/>
+            </p:cNvPicPr>
+            <p:nvPr/>
+          </p:nvPicPr>
+          <p:blipFill>
+            <a:blip r:embed="rId7"/>
+            <a:stretch>
+              <a:fillRect/>
+            </a:stretch>
+          </p:blipFill>
+          <p:spPr>
+            <a:xfrm>
+              <a:off x="20635595" y="2504440"/>
+              <a:ext cx="1333500" cy="2451100"/>
+            </a:xfrm>
+            <a:prstGeom prst="rect">
+              <a:avLst/>
+            </a:prstGeom>
+          </p:spPr>
+        </p:pic>
+        <p:sp>
+          <p:nvSpPr>
+            <p:cNvPr id="18" name="矩形 17"/>
+            <p:cNvSpPr/>
+            <p:nvPr/>
+          </p:nvSpPr>
+          <p:spPr>
+            <a:xfrm>
+              <a:off x="20530343" y="2340610"/>
+              <a:ext cx="1679952" cy="2716530"/>
+            </a:xfrm>
+            <a:prstGeom prst="rect">
+              <a:avLst/>
+            </a:prstGeom>
+            <a:noFill/>
+            <a:ln w="38100">
+              <a:solidFill>
+                <a:srgbClr val="8D8A8B"/>
+              </a:solidFill>
+              <a:prstDash val="dash"/>
+            </a:ln>
+          </p:spPr>
+          <p:style>
+            <a:lnRef idx="2">
+              <a:schemeClr val="accent1">
+                <a:shade val="50000"/>
+              </a:schemeClr>
+            </a:lnRef>
+            <a:fillRef idx="1">
+              <a:schemeClr val="accent1"/>
+            </a:fillRef>
+            <a:effectRef idx="0">
+              <a:schemeClr val="accent1"/>
+            </a:effectRef>
+            <a:fontRef idx="minor">
+              <a:schemeClr val="lt1"/>
+            </a:fontRef>
+          </p:style>
+          <p:txBody>
+            <a:bodyPr rtlCol="0" anchor="ctr"/>
+            <a:lstStyle/>
+            <a:p>
+              <a:pPr algn="ctr"/>
+              <a:endParaRPr kumimoji="1" lang="zh-CN" altLang="en-US"/>
+            </a:p>
+          </p:txBody>
+        </p:sp>
+      </p:grpSp>
+      <p:grpSp>
+        <p:nvGrpSpPr>
+          <p:cNvPr id="32" name="组 31"/>
+          <p:cNvGrpSpPr/>
           <p:nvPr/>
-        </p:nvSpPr>
-        <p:spPr>
+        </p:nvGrpSpPr>
+        <p:grpSpPr>
           <a:xfrm>
-            <a:off x="20530343" y="6272647"/>
+            <a:off x="20530343" y="6165474"/>
             <a:ext cx="1679952" cy="2716530"/>
+            <a:chOff x="20530343" y="6272647"/>
+            <a:chExt cx="1679952" cy="2716530"/>
           </a:xfrm>
-          <a:prstGeom prst="rect">
-            <a:avLst/>
-          </a:prstGeom>
-          <a:noFill/>
-          <a:ln w="38100">
-            <a:solidFill>
-              <a:srgbClr val="8D8A8B"/>
-            </a:solidFill>
-            <a:prstDash val="dash"/>
-          </a:ln>
-        </p:spPr>
-        <p:style>
-          <a:lnRef idx="2">
-            <a:schemeClr val="accent1">
-              <a:shade val="50000"/>
-            </a:schemeClr>
-          </a:lnRef>
-          <a:fillRef idx="1">
-            <a:schemeClr val="accent1"/>
-          </a:fillRef>
-          <a:effectRef idx="0">
-            <a:schemeClr val="accent1"/>
-          </a:effectRef>
-          <a:fontRef idx="minor">
-            <a:schemeClr val="lt1"/>
-          </a:fontRef>
-        </p:style>
-        <p:txBody>
-          <a:bodyPr rtlCol="0" anchor="ctr"/>
-          <a:lstStyle/>
-          <a:p>
-            <a:pPr algn="ctr"/>
-            <a:endParaRPr kumimoji="1" lang="zh-CN" altLang="en-US"/>
-          </a:p>
-        </p:txBody>
-      </p:sp>
-      <p:sp>
-        <p:nvSpPr>
-          <p:cNvPr id="21" name="矩形 20"/>
-          <p:cNvSpPr/>
+        </p:grpSpPr>
+        <p:pic>
+          <p:nvPicPr>
+            <p:cNvPr id="8" name="图片 7"/>
+            <p:cNvPicPr>
+              <a:picLocks noChangeAspect="1"/>
+            </p:cNvPicPr>
+            <p:nvPr/>
+          </p:nvPicPr>
+          <p:blipFill>
+            <a:blip r:embed="rId7"/>
+            <a:stretch>
+              <a:fillRect/>
+            </a:stretch>
+          </p:blipFill>
+          <p:spPr>
+            <a:xfrm>
+              <a:off x="20635595" y="6415522"/>
+              <a:ext cx="1333500" cy="2451100"/>
+            </a:xfrm>
+            <a:prstGeom prst="rect">
+              <a:avLst/>
+            </a:prstGeom>
+          </p:spPr>
+        </p:pic>
+        <p:sp>
+          <p:nvSpPr>
+            <p:cNvPr id="20" name="矩形 19"/>
+            <p:cNvSpPr/>
+            <p:nvPr/>
+          </p:nvSpPr>
+          <p:spPr>
+            <a:xfrm>
+              <a:off x="20530343" y="6272647"/>
+              <a:ext cx="1679952" cy="2716530"/>
+            </a:xfrm>
+            <a:prstGeom prst="rect">
+              <a:avLst/>
+            </a:prstGeom>
+            <a:noFill/>
+            <a:ln w="38100">
+              <a:solidFill>
+                <a:srgbClr val="8D8A8B"/>
+              </a:solidFill>
+              <a:prstDash val="dash"/>
+            </a:ln>
+          </p:spPr>
+          <p:style>
+            <a:lnRef idx="2">
+              <a:schemeClr val="accent1">
+                <a:shade val="50000"/>
+              </a:schemeClr>
+            </a:lnRef>
+            <a:fillRef idx="1">
+              <a:schemeClr val="accent1"/>
+            </a:fillRef>
+            <a:effectRef idx="0">
+              <a:schemeClr val="accent1"/>
+            </a:effectRef>
+            <a:fontRef idx="minor">
+              <a:schemeClr val="lt1"/>
+            </a:fontRef>
+          </p:style>
+          <p:txBody>
+            <a:bodyPr rtlCol="0" anchor="ctr"/>
+            <a:lstStyle/>
+            <a:p>
+              <a:pPr algn="ctr"/>
+              <a:endParaRPr kumimoji="1" lang="zh-CN" altLang="en-US"/>
+            </a:p>
+          </p:txBody>
+        </p:sp>
+      </p:grpSp>
+      <p:grpSp>
+        <p:nvGrpSpPr>
+          <p:cNvPr id="34" name="组 33"/>
+          <p:cNvGrpSpPr/>
           <p:nvPr/>
-        </p:nvSpPr>
-        <p:spPr>
+        </p:nvGrpSpPr>
+        <p:grpSpPr>
           <a:xfrm>
             <a:off x="20530343" y="9990337"/>
             <a:ext cx="1679952" cy="2716530"/>
+            <a:chOff x="20530343" y="9990337"/>
+            <a:chExt cx="1679952" cy="2716530"/>
           </a:xfrm>
-          <a:prstGeom prst="rect">
-            <a:avLst/>
-          </a:prstGeom>
-          <a:noFill/>
-          <a:ln w="38100">
-            <a:solidFill>
-              <a:srgbClr val="8D8A8B"/>
-            </a:solidFill>
-            <a:prstDash val="dash"/>
-          </a:ln>
-        </p:spPr>
-        <p:style>
-          <a:lnRef idx="2">
-            <a:schemeClr val="accent1">
-              <a:shade val="50000"/>
-            </a:schemeClr>
-          </a:lnRef>
-          <a:fillRef idx="1">
-            <a:schemeClr val="accent1"/>
-          </a:fillRef>
-          <a:effectRef idx="0">
-            <a:schemeClr val="accent1"/>
-          </a:effectRef>
-          <a:fontRef idx="minor">
-            <a:schemeClr val="lt1"/>
-          </a:fontRef>
-        </p:style>
-        <p:txBody>
-          <a:bodyPr rtlCol="0" anchor="ctr"/>
-          <a:lstStyle/>
-          <a:p>
-            <a:pPr algn="ctr"/>
-            <a:endParaRPr kumimoji="1" lang="zh-CN" altLang="en-US"/>
-          </a:p>
-        </p:txBody>
-      </p:sp>
+        </p:grpSpPr>
+        <p:pic>
+          <p:nvPicPr>
+            <p:cNvPr id="10" name="图片 9"/>
+            <p:cNvPicPr>
+              <a:picLocks noChangeAspect="1"/>
+            </p:cNvPicPr>
+            <p:nvPr/>
+          </p:nvPicPr>
+          <p:blipFill>
+            <a:blip r:embed="rId7"/>
+            <a:stretch>
+              <a:fillRect/>
+            </a:stretch>
+          </p:blipFill>
+          <p:spPr>
+            <a:xfrm>
+              <a:off x="20635595" y="10193772"/>
+              <a:ext cx="1333500" cy="2451100"/>
+            </a:xfrm>
+            <a:prstGeom prst="rect">
+              <a:avLst/>
+            </a:prstGeom>
+          </p:spPr>
+        </p:pic>
+        <p:sp>
+          <p:nvSpPr>
+            <p:cNvPr id="21" name="矩形 20"/>
+            <p:cNvSpPr/>
+            <p:nvPr/>
+          </p:nvSpPr>
+          <p:spPr>
+            <a:xfrm>
+              <a:off x="20530343" y="9990337"/>
+              <a:ext cx="1679952" cy="2716530"/>
+            </a:xfrm>
+            <a:prstGeom prst="rect">
+              <a:avLst/>
+            </a:prstGeom>
+            <a:noFill/>
+            <a:ln w="38100">
+              <a:solidFill>
+                <a:srgbClr val="8D8A8B"/>
+              </a:solidFill>
+              <a:prstDash val="dash"/>
+            </a:ln>
+          </p:spPr>
+          <p:style>
+            <a:lnRef idx="2">
+              <a:schemeClr val="accent1">
+                <a:shade val="50000"/>
+              </a:schemeClr>
+            </a:lnRef>
+            <a:fillRef idx="1">
+              <a:schemeClr val="accent1"/>
+            </a:fillRef>
+            <a:effectRef idx="0">
+              <a:schemeClr val="accent1"/>
+            </a:effectRef>
+            <a:fontRef idx="minor">
+              <a:schemeClr val="lt1"/>
+            </a:fontRef>
+          </p:style>
+          <p:txBody>
+            <a:bodyPr rtlCol="0" anchor="ctr"/>
+            <a:lstStyle/>
+            <a:p>
+              <a:pPr algn="ctr"/>
+              <a:endParaRPr kumimoji="1" lang="zh-CN" altLang="en-US"/>
+            </a:p>
+          </p:txBody>
+        </p:sp>
+      </p:grpSp>
       <p:sp>
         <p:nvSpPr>
           <p:cNvPr id="22" name="文本框 21"/>
@@ -13070,7 +13059,7 @@
           <p:nvPr/>
         </p:nvPicPr>
         <p:blipFill>
-          <a:blip r:embed="rId9"/>
+          <a:blip r:embed="rId8"/>
           <a:stretch>
             <a:fillRect/>
           </a:stretch>
@@ -13094,7 +13083,7 @@
           <p:nvPr/>
         </p:nvPicPr>
         <p:blipFill>
-          <a:blip r:embed="rId9"/>
+          <a:blip r:embed="rId8"/>
           <a:stretch>
             <a:fillRect/>
           </a:stretch>
@@ -13156,16 +13145,164 @@
           </a:p>
         </p:txBody>
       </p:sp>
+      <p:grpSp>
+        <p:nvGrpSpPr>
+          <p:cNvPr id="41" name="组 40"/>
+          <p:cNvGrpSpPr/>
+          <p:nvPr/>
+        </p:nvGrpSpPr>
+        <p:grpSpPr>
+          <a:xfrm>
+            <a:off x="12872244" y="1962545"/>
+            <a:ext cx="2497494" cy="3536989"/>
+            <a:chOff x="12149931" y="2070100"/>
+            <a:chExt cx="2497494" cy="3536989"/>
+          </a:xfrm>
+        </p:grpSpPr>
+        <p:grpSp>
+          <p:nvGrpSpPr>
+            <p:cNvPr id="40" name="组 39"/>
+            <p:cNvGrpSpPr/>
+            <p:nvPr/>
+          </p:nvGrpSpPr>
+          <p:grpSpPr>
+            <a:xfrm>
+              <a:off x="12149931" y="2070100"/>
+              <a:ext cx="2382203" cy="2279650"/>
+              <a:chOff x="12149931" y="2070100"/>
+              <a:chExt cx="2382203" cy="2279650"/>
+            </a:xfrm>
+          </p:grpSpPr>
+          <p:pic>
+            <p:nvPicPr>
+              <p:cNvPr id="5" name="图片 4"/>
+              <p:cNvPicPr>
+                <a:picLocks noChangeAspect="1"/>
+              </p:cNvPicPr>
+              <p:nvPr/>
+            </p:nvPicPr>
+            <p:blipFill>
+              <a:blip r:embed="rId9"/>
+              <a:stretch>
+                <a:fillRect/>
+              </a:stretch>
+            </p:blipFill>
+            <p:spPr>
+              <a:xfrm>
+                <a:off x="12342495" y="2340610"/>
+                <a:ext cx="2070100" cy="1790700"/>
+              </a:xfrm>
+              <a:prstGeom prst="rect">
+                <a:avLst/>
+              </a:prstGeom>
+            </p:spPr>
+          </p:pic>
+          <p:sp>
+            <p:nvSpPr>
+              <p:cNvPr id="12" name="矩形 11"/>
+              <p:cNvSpPr/>
+              <p:nvPr/>
+            </p:nvSpPr>
+            <p:spPr>
+              <a:xfrm>
+                <a:off x="12149931" y="2070100"/>
+                <a:ext cx="2382203" cy="2279650"/>
+              </a:xfrm>
+              <a:prstGeom prst="rect">
+                <a:avLst/>
+              </a:prstGeom>
+              <a:noFill/>
+              <a:ln w="38100">
+                <a:solidFill>
+                  <a:srgbClr val="8D8A8B"/>
+                </a:solidFill>
+                <a:prstDash val="dash"/>
+              </a:ln>
+            </p:spPr>
+            <p:style>
+              <a:lnRef idx="2">
+                <a:schemeClr val="accent1">
+                  <a:shade val="50000"/>
+                </a:schemeClr>
+              </a:lnRef>
+              <a:fillRef idx="1">
+                <a:schemeClr val="accent1"/>
+              </a:fillRef>
+              <a:effectRef idx="0">
+                <a:schemeClr val="accent1"/>
+              </a:effectRef>
+              <a:fontRef idx="minor">
+                <a:schemeClr val="lt1"/>
+              </a:fontRef>
+            </p:style>
+            <p:txBody>
+              <a:bodyPr rtlCol="0" anchor="ctr"/>
+              <a:lstStyle/>
+              <a:p>
+                <a:pPr algn="ctr"/>
+                <a:endParaRPr kumimoji="1" lang="zh-CN" altLang="en-US"/>
+              </a:p>
+            </p:txBody>
+          </p:sp>
+        </p:grpSp>
+        <p:sp>
+          <p:nvSpPr>
+            <p:cNvPr id="27" name="文本框 26"/>
+            <p:cNvSpPr txBox="1"/>
+            <p:nvPr/>
+          </p:nvSpPr>
+          <p:spPr>
+            <a:xfrm>
+              <a:off x="12308323" y="4652982"/>
+              <a:ext cx="2339102" cy="954107"/>
+            </a:xfrm>
+            <a:prstGeom prst="rect">
+              <a:avLst/>
+            </a:prstGeom>
+            <a:noFill/>
+          </p:spPr>
+          <p:txBody>
+            <a:bodyPr wrap="none" rtlCol="0">
+              <a:spAutoFit/>
+            </a:bodyPr>
+            <a:lstStyle/>
+            <a:p>
+              <a:pPr algn="ctr"/>
+              <a:r>
+                <a:rPr kumimoji="1" lang="zh-CN" altLang="en-US" sz="2800" dirty="0" smtClean="0"/>
+                <a:t>全球域名系统</a:t>
+              </a:r>
+              <a:endParaRPr kumimoji="1" lang="en-US" altLang="zh-CN" sz="2800" dirty="0" smtClean="0"/>
+            </a:p>
+            <a:p>
+              <a:pPr algn="ctr"/>
+              <a:r>
+                <a:rPr kumimoji="1" lang="en-US" altLang="zh-CN" sz="2800" dirty="0" smtClean="0"/>
+                <a:t>(Global</a:t>
+              </a:r>
+              <a:r>
+                <a:rPr kumimoji="1" lang="zh-CN" altLang="en-US" sz="2800" dirty="0" smtClean="0"/>
+                <a:t> </a:t>
+              </a:r>
+              <a:r>
+                <a:rPr kumimoji="1" lang="en-US" altLang="zh-CN" sz="2800" dirty="0" smtClean="0"/>
+                <a:t>DNS)</a:t>
+              </a:r>
+              <a:endParaRPr kumimoji="1" lang="zh-CN" altLang="en-US" dirty="0"/>
+            </a:p>
+          </p:txBody>
+        </p:sp>
+      </p:grpSp>
       <p:sp>
         <p:nvSpPr>
-          <p:cNvPr id="27" name="文本框 26"/>
+          <p:cNvPr id="28" name="文本框 27"/>
           <p:cNvSpPr txBox="1"/>
           <p:nvPr/>
         </p:nvSpPr>
         <p:spPr>
           <a:xfrm>
-            <a:off x="12308323" y="4652982"/>
-            <a:ext cx="2339102" cy="954107"/>
+            <a:off x="8555778" y="10441199"/>
+            <a:ext cx="1980029" cy="954107"/>
           </a:xfrm>
           <a:prstGeom prst="rect">
             <a:avLst/>
@@ -13181,7 +13318,7 @@
             <a:pPr algn="ctr"/>
             <a:r>
               <a:rPr kumimoji="1" lang="zh-CN" altLang="en-US" sz="2800" dirty="0" smtClean="0"/>
-              <a:t>全球域名系统</a:t>
+              <a:t>负载均衡器</a:t>
             </a:r>
             <a:endParaRPr kumimoji="1" lang="en-US" altLang="zh-CN" sz="2800" dirty="0" smtClean="0"/>
           </a:p>
@@ -13189,7 +13326,7 @@
             <a:pPr algn="ctr"/>
             <a:r>
               <a:rPr kumimoji="1" lang="en-US" altLang="zh-CN" sz="2800" dirty="0" smtClean="0"/>
-              <a:t>(Global</a:t>
+              <a:t>(LVS</a:t>
             </a:r>
             <a:r>
               <a:rPr kumimoji="1" lang="zh-CN" altLang="en-US" sz="2800" dirty="0" smtClean="0"/>
@@ -13197,12 +13334,357 @@
             </a:r>
             <a:r>
               <a:rPr kumimoji="1" lang="en-US" altLang="zh-CN" sz="2800" dirty="0" smtClean="0"/>
-              <a:t>DNS)</a:t>
+              <a:t>/</a:t>
+            </a:r>
+            <a:r>
+              <a:rPr kumimoji="1" lang="zh-CN" altLang="en-US" sz="2800" dirty="0" smtClean="0"/>
+              <a:t> </a:t>
+            </a:r>
+            <a:r>
+              <a:rPr kumimoji="1" lang="en-US" altLang="zh-CN" sz="2800" dirty="0" smtClean="0"/>
+              <a:t>TGW)</a:t>
             </a:r>
             <a:endParaRPr kumimoji="1" lang="zh-CN" altLang="en-US" dirty="0"/>
           </a:p>
         </p:txBody>
       </p:sp>
+      <p:sp>
+        <p:nvSpPr>
+          <p:cNvPr id="29" name="文本框 28"/>
+          <p:cNvSpPr txBox="1"/>
+          <p:nvPr/>
+        </p:nvSpPr>
+        <p:spPr>
+          <a:xfrm>
+            <a:off x="12377414" y="11206096"/>
+            <a:ext cx="2559996" cy="954107"/>
+          </a:xfrm>
+          <a:prstGeom prst="rect">
+            <a:avLst/>
+          </a:prstGeom>
+          <a:noFill/>
+        </p:spPr>
+        <p:txBody>
+          <a:bodyPr wrap="none" rtlCol="0">
+            <a:spAutoFit/>
+          </a:bodyPr>
+          <a:lstStyle/>
+          <a:p>
+            <a:pPr algn="ctr"/>
+            <a:r>
+              <a:rPr kumimoji="1" lang="zh-CN" altLang="en-US" sz="2800" dirty="0" smtClean="0"/>
+              <a:t>接入层</a:t>
+            </a:r>
+            <a:endParaRPr kumimoji="1" lang="en-US" altLang="zh-CN" sz="2800" dirty="0" smtClean="0"/>
+          </a:p>
+          <a:p>
+            <a:pPr algn="ctr"/>
+            <a:r>
+              <a:rPr kumimoji="1" lang="en-US" altLang="zh-CN" sz="2800" dirty="0" smtClean="0"/>
+              <a:t>(Interface</a:t>
+            </a:r>
+            <a:r>
+              <a:rPr kumimoji="1" lang="zh-CN" altLang="en-US" sz="2800" dirty="0" smtClean="0"/>
+              <a:t> </a:t>
+            </a:r>
+            <a:r>
+              <a:rPr kumimoji="1" lang="en-US" altLang="zh-CN" sz="2800" dirty="0" smtClean="0"/>
+              <a:t>Layer)</a:t>
+            </a:r>
+            <a:endParaRPr kumimoji="1" lang="zh-CN" altLang="en-US" dirty="0"/>
+          </a:p>
+        </p:txBody>
+      </p:sp>
+      <p:sp>
+        <p:nvSpPr>
+          <p:cNvPr id="30" name="文本框 29"/>
+          <p:cNvSpPr txBox="1"/>
+          <p:nvPr/>
+        </p:nvSpPr>
+        <p:spPr>
+          <a:xfrm>
+            <a:off x="16468801" y="11860196"/>
+            <a:ext cx="2253309" cy="954107"/>
+          </a:xfrm>
+          <a:prstGeom prst="rect">
+            <a:avLst/>
+          </a:prstGeom>
+          <a:noFill/>
+        </p:spPr>
+        <p:txBody>
+          <a:bodyPr wrap="none" rtlCol="0">
+            <a:spAutoFit/>
+          </a:bodyPr>
+          <a:lstStyle/>
+          <a:p>
+            <a:pPr algn="ctr"/>
+            <a:r>
+              <a:rPr kumimoji="1" lang="zh-CN" altLang="en-US" sz="2800" dirty="0" smtClean="0"/>
+              <a:t>逻辑层</a:t>
+            </a:r>
+            <a:endParaRPr kumimoji="1" lang="en-US" altLang="zh-CN" sz="2800" dirty="0" smtClean="0"/>
+          </a:p>
+          <a:p>
+            <a:pPr algn="ctr"/>
+            <a:r>
+              <a:rPr kumimoji="1" lang="en-US" altLang="zh-CN" sz="2800" dirty="0" smtClean="0"/>
+              <a:t>(Logical</a:t>
+            </a:r>
+            <a:r>
+              <a:rPr kumimoji="1" lang="zh-CN" altLang="en-US" sz="2800" dirty="0" smtClean="0"/>
+              <a:t> </a:t>
+            </a:r>
+            <a:r>
+              <a:rPr kumimoji="1" lang="en-US" altLang="zh-CN" sz="2800" dirty="0" smtClean="0"/>
+              <a:t>Layer)</a:t>
+            </a:r>
+            <a:endParaRPr kumimoji="1" lang="zh-CN" altLang="en-US" dirty="0"/>
+          </a:p>
+        </p:txBody>
+      </p:sp>
+      <p:sp>
+        <p:nvSpPr>
+          <p:cNvPr id="31" name="文本框 30"/>
+          <p:cNvSpPr txBox="1"/>
+          <p:nvPr/>
+        </p:nvSpPr>
+        <p:spPr>
+          <a:xfrm>
+            <a:off x="19824112" y="12706867"/>
+            <a:ext cx="3150222" cy="954107"/>
+          </a:xfrm>
+          <a:prstGeom prst="rect">
+            <a:avLst/>
+          </a:prstGeom>
+          <a:noFill/>
+        </p:spPr>
+        <p:txBody>
+          <a:bodyPr wrap="none" rtlCol="0">
+            <a:spAutoFit/>
+          </a:bodyPr>
+          <a:lstStyle/>
+          <a:p>
+            <a:pPr algn="ctr"/>
+            <a:r>
+              <a:rPr kumimoji="1" lang="zh-CN" altLang="en-US" sz="2800" dirty="0" smtClean="0"/>
+              <a:t>存储层</a:t>
+            </a:r>
+            <a:r>
+              <a:rPr kumimoji="1" lang="zh-CN" altLang="en-US" sz="2800" dirty="0"/>
+              <a:t> </a:t>
+            </a:r>
+            <a:r>
+              <a:rPr kumimoji="1" lang="mr-IN" altLang="zh-CN" sz="2800" dirty="0" smtClean="0"/>
+              <a:t>–</a:t>
+            </a:r>
+            <a:r>
+              <a:rPr kumimoji="1" lang="zh-CN" altLang="en-US" sz="2800" dirty="0" smtClean="0"/>
+              <a:t> 图数据库</a:t>
+            </a:r>
+            <a:endParaRPr kumimoji="1" lang="en-US" altLang="zh-CN" sz="2800" dirty="0" smtClean="0"/>
+          </a:p>
+          <a:p>
+            <a:pPr algn="ctr"/>
+            <a:r>
+              <a:rPr kumimoji="1" lang="en-US" altLang="zh-CN" sz="2800" dirty="0" smtClean="0"/>
+              <a:t>(Storage</a:t>
+            </a:r>
+            <a:r>
+              <a:rPr kumimoji="1" lang="zh-CN" altLang="en-US" sz="2800" dirty="0" smtClean="0"/>
+              <a:t> </a:t>
+            </a:r>
+            <a:r>
+              <a:rPr kumimoji="1" lang="en-US" altLang="zh-CN" sz="2800" dirty="0" smtClean="0"/>
+              <a:t>Layer)</a:t>
+            </a:r>
+            <a:endParaRPr kumimoji="1" lang="zh-CN" altLang="en-US" dirty="0"/>
+          </a:p>
+        </p:txBody>
+      </p:sp>
+      <p:sp>
+        <p:nvSpPr>
+          <p:cNvPr id="36" name="上下箭头 35"/>
+          <p:cNvSpPr/>
+          <p:nvPr/>
+        </p:nvSpPr>
+        <p:spPr>
+          <a:xfrm>
+            <a:off x="21015809" y="8983119"/>
+            <a:ext cx="573071" cy="883852"/>
+          </a:xfrm>
+          <a:prstGeom prst="upDownArrow">
+            <a:avLst/>
+          </a:prstGeom>
+          <a:noFill/>
+          <a:ln>
+            <a:solidFill>
+              <a:srgbClr val="E0192F"/>
+            </a:solidFill>
+          </a:ln>
+        </p:spPr>
+        <p:style>
+          <a:lnRef idx="3">
+            <a:schemeClr val="lt1"/>
+          </a:lnRef>
+          <a:fillRef idx="1">
+            <a:schemeClr val="accent6"/>
+          </a:fillRef>
+          <a:effectRef idx="1">
+            <a:schemeClr val="accent6"/>
+          </a:effectRef>
+          <a:fontRef idx="minor">
+            <a:schemeClr val="lt1"/>
+          </a:fontRef>
+        </p:style>
+        <p:txBody>
+          <a:bodyPr rtlCol="0" anchor="ctr"/>
+          <a:lstStyle/>
+          <a:p>
+            <a:pPr algn="ctr"/>
+            <a:endParaRPr kumimoji="1" lang="zh-CN" altLang="en-US"/>
+          </a:p>
+        </p:txBody>
+      </p:sp>
+      <p:sp>
+        <p:nvSpPr>
+          <p:cNvPr id="37" name="上下箭头 36"/>
+          <p:cNvSpPr/>
+          <p:nvPr/>
+        </p:nvSpPr>
+        <p:spPr>
+          <a:xfrm>
+            <a:off x="21015809" y="5212022"/>
+            <a:ext cx="573071" cy="883852"/>
+          </a:xfrm>
+          <a:prstGeom prst="upDownArrow">
+            <a:avLst/>
+          </a:prstGeom>
+          <a:noFill/>
+          <a:ln>
+            <a:solidFill>
+              <a:srgbClr val="E0192F"/>
+            </a:solidFill>
+          </a:ln>
+        </p:spPr>
+        <p:style>
+          <a:lnRef idx="3">
+            <a:schemeClr val="lt1"/>
+          </a:lnRef>
+          <a:fillRef idx="1">
+            <a:schemeClr val="accent6"/>
+          </a:fillRef>
+          <a:effectRef idx="1">
+            <a:schemeClr val="accent6"/>
+          </a:effectRef>
+          <a:fontRef idx="minor">
+            <a:schemeClr val="lt1"/>
+          </a:fontRef>
+        </p:style>
+        <p:txBody>
+          <a:bodyPr rtlCol="0" anchor="ctr"/>
+          <a:lstStyle/>
+          <a:p>
+            <a:pPr algn="ctr"/>
+            <a:endParaRPr kumimoji="1" lang="zh-CN" altLang="en-US"/>
+          </a:p>
+        </p:txBody>
+      </p:sp>
+      <p:pic>
+        <p:nvPicPr>
+          <p:cNvPr id="38" name="图片 37"/>
+          <p:cNvPicPr>
+            <a:picLocks noChangeAspect="1"/>
+          </p:cNvPicPr>
+          <p:nvPr/>
+        </p:nvPicPr>
+        <p:blipFill>
+          <a:blip r:embed="rId10"/>
+          <a:stretch>
+            <a:fillRect/>
+          </a:stretch>
+        </p:blipFill>
+        <p:spPr>
+          <a:xfrm>
+            <a:off x="6100919" y="2677161"/>
+            <a:ext cx="2674733" cy="2379979"/>
+          </a:xfrm>
+          <a:prstGeom prst="rect">
+            <a:avLst/>
+          </a:prstGeom>
+        </p:spPr>
+      </p:pic>
+      <p:pic>
+        <p:nvPicPr>
+          <p:cNvPr id="39" name="图片 38"/>
+          <p:cNvPicPr>
+            <a:picLocks noChangeAspect="1"/>
+          </p:cNvPicPr>
+          <p:nvPr/>
+        </p:nvPicPr>
+        <p:blipFill>
+          <a:blip r:embed="rId11"/>
+          <a:stretch>
+            <a:fillRect/>
+          </a:stretch>
+        </p:blipFill>
+        <p:spPr>
+          <a:xfrm>
+            <a:off x="10529729" y="2717165"/>
+            <a:ext cx="2107267" cy="654685"/>
+          </a:xfrm>
+          <a:prstGeom prst="rect">
+            <a:avLst/>
+          </a:prstGeom>
+        </p:spPr>
+      </p:pic>
+      <p:pic>
+        <p:nvPicPr>
+          <p:cNvPr id="42" name="图片 41"/>
+          <p:cNvPicPr>
+            <a:picLocks noChangeAspect="1"/>
+          </p:cNvPicPr>
+          <p:nvPr/>
+        </p:nvPicPr>
+        <p:blipFill>
+          <a:blip r:embed="rId12"/>
+          <a:stretch>
+            <a:fillRect/>
+          </a:stretch>
+        </p:blipFill>
+        <p:spPr>
+          <a:xfrm>
+            <a:off x="10748492" y="7141413"/>
+            <a:ext cx="1919066" cy="3236071"/>
+          </a:xfrm>
+          <a:prstGeom prst="rect">
+            <a:avLst/>
+          </a:prstGeom>
+        </p:spPr>
+      </p:pic>
+      <p:pic>
+        <p:nvPicPr>
+          <p:cNvPr id="45" name="图片 44"/>
+          <p:cNvPicPr>
+            <a:picLocks noChangeAspect="1"/>
+          </p:cNvPicPr>
+          <p:nvPr/>
+        </p:nvPicPr>
+        <p:blipFill>
+          <a:blip r:embed="rId13"/>
+          <a:stretch>
+            <a:fillRect/>
+          </a:stretch>
+        </p:blipFill>
+        <p:spPr>
+          <a:xfrm>
+            <a:off x="6234862" y="7564620"/>
+            <a:ext cx="1705027" cy="1772419"/>
+          </a:xfrm>
+          <a:prstGeom prst="rect">
+            <a:avLst/>
+          </a:prstGeom>
+        </p:spPr>
+      </p:pic>
     </p:spTree>
     <p:extLst>
       <p:ext uri="{BB962C8B-B14F-4D97-AF65-F5344CB8AC3E}">
